--- a/documentation/workflow.pptx
+++ b/documentation/workflow.pptx
@@ -105,6 +105,11 @@
       </a:defRPr>
     </a:lvl9pPr>
   </p:defaultTextStyle>
+  <p:extLst>
+    <p:ext uri="{EFAFB233-063F-42B5-8137-9DF3F51BA10A}">
+      <p15:sldGuideLst xmlns:p15="http://schemas.microsoft.com/office/powerpoint/2012/main"/>
+    </p:ext>
+  </p:extLst>
 </p:presentation>
 </file>
 
@@ -3322,55 +3327,12 @@
           <a:chExt cx="0" cy="0"/>
         </a:xfrm>
       </p:grpSpPr>
-      <p:cxnSp>
-        <p:nvCxnSpPr>
-          <p:cNvPr id="7" name="Straight Arrow Connector 6">
-            <a:extLst>
-              <a:ext uri="{FF2B5EF4-FFF2-40B4-BE49-F238E27FC236}">
-                <a16:creationId xmlns:a16="http://schemas.microsoft.com/office/drawing/2014/main" id="{E922FA3A-5110-2D3D-13FC-7618E5E09B4B}"/>
-              </a:ext>
-            </a:extLst>
-          </p:cNvPr>
-          <p:cNvCxnSpPr>
-            <a:cxnSpLocks/>
-            <a:stCxn id="43" idx="1"/>
-            <a:endCxn id="44" idx="0"/>
-          </p:cNvCxnSpPr>
-          <p:nvPr/>
-        </p:nvCxnSpPr>
-        <p:spPr>
-          <a:xfrm>
-            <a:off x="10717604" y="1933705"/>
-            <a:ext cx="0" cy="569270"/>
-          </a:xfrm>
-          <a:prstGeom prst="straightConnector1">
-            <a:avLst/>
-          </a:prstGeom>
-          <a:ln>
-            <a:tailEnd type="triangle"/>
-          </a:ln>
-        </p:spPr>
-        <p:style>
-          <a:lnRef idx="2">
-            <a:schemeClr val="accent1"/>
-          </a:lnRef>
-          <a:fillRef idx="0">
-            <a:schemeClr val="accent1"/>
-          </a:fillRef>
-          <a:effectRef idx="1">
-            <a:schemeClr val="accent1"/>
-          </a:effectRef>
-          <a:fontRef idx="minor">
-            <a:schemeClr val="tx1"/>
-          </a:fontRef>
-        </p:style>
-      </p:cxnSp>
       <p:grpSp>
         <p:nvGrpSpPr>
-          <p:cNvPr id="39" name="Group 38">
-            <a:extLst>
-              <a:ext uri="{FF2B5EF4-FFF2-40B4-BE49-F238E27FC236}">
-                <a16:creationId xmlns:a16="http://schemas.microsoft.com/office/drawing/2014/main" id="{D6E0D016-907B-6AE4-0787-51116591B469}"/>
+          <p:cNvPr id="2" name="Group 1">
+            <a:extLst>
+              <a:ext uri="{FF2B5EF4-FFF2-40B4-BE49-F238E27FC236}">
+                <a16:creationId xmlns:a16="http://schemas.microsoft.com/office/drawing/2014/main" id="{F91E2545-1C6C-DB94-7008-B7E19B328839}"/>
               </a:ext>
             </a:extLst>
           </p:cNvPr>
@@ -3379,90 +3341,34 @@
         </p:nvGrpSpPr>
         <p:grpSpPr>
           <a:xfrm>
-            <a:off x="0" y="387351"/>
-            <a:ext cx="8896707" cy="6083297"/>
-            <a:chOff x="2415396" y="230039"/>
-            <a:chExt cx="8896707" cy="6083297"/>
+            <a:off x="0" y="94171"/>
+            <a:ext cx="12107219" cy="6544753"/>
+            <a:chOff x="0" y="94171"/>
+            <a:chExt cx="12107219" cy="6544753"/>
           </a:xfrm>
         </p:grpSpPr>
-        <p:sp>
-          <p:nvSpPr>
-            <p:cNvPr id="5" name="Diamond 4">
+        <p:cxnSp>
+          <p:nvCxnSpPr>
+            <p:cNvPr id="7" name="Straight Arrow Connector 6">
               <a:extLst>
                 <a:ext uri="{FF2B5EF4-FFF2-40B4-BE49-F238E27FC236}">
-                  <a16:creationId xmlns:a16="http://schemas.microsoft.com/office/drawing/2014/main" id="{6E9F2619-366F-71FD-5108-DC1C69D5499C}"/>
-                </a:ext>
-              </a:extLst>
-            </p:cNvPr>
-            <p:cNvSpPr/>
-            <p:nvPr/>
-          </p:nvSpPr>
-          <p:spPr>
-            <a:xfrm>
-              <a:off x="4664014" y="230039"/>
-              <a:ext cx="4226944" cy="2685690"/>
-            </a:xfrm>
-            <a:prstGeom prst="diamond">
-              <a:avLst/>
-            </a:prstGeom>
-          </p:spPr>
-          <p:style>
-            <a:lnRef idx="2">
-              <a:schemeClr val="accent1">
-                <a:shade val="15000"/>
-              </a:schemeClr>
-            </a:lnRef>
-            <a:fillRef idx="1">
-              <a:schemeClr val="accent1"/>
-            </a:fillRef>
-            <a:effectRef idx="0">
-              <a:schemeClr val="accent1"/>
-            </a:effectRef>
-            <a:fontRef idx="minor">
-              <a:schemeClr val="lt1"/>
-            </a:fontRef>
-          </p:style>
-          <p:txBody>
-            <a:bodyPr rtlCol="0" anchor="ctr"/>
-            <a:lstStyle/>
-            <a:p>
-              <a:pPr algn="ctr"/>
-              <a:r>
-                <a:rPr lang="en-US" dirty="0"/>
-                <a:t>Create an instance of Queue.</a:t>
-              </a:r>
-            </a:p>
-            <a:p>
-              <a:pPr algn="ctr"/>
-              <a:r>
-                <a:rPr lang="en-US" dirty="0"/>
-                <a:t>Passed Redis connection config?</a:t>
-              </a:r>
-            </a:p>
-          </p:txBody>
-        </p:sp>
-        <p:cxnSp>
-          <p:nvCxnSpPr>
-            <p:cNvPr id="9" name="Connector: Elbow 8">
-              <a:extLst>
-                <a:ext uri="{FF2B5EF4-FFF2-40B4-BE49-F238E27FC236}">
-                  <a16:creationId xmlns:a16="http://schemas.microsoft.com/office/drawing/2014/main" id="{415CEF37-3A70-9CBA-AA06-0DA5D9320042}"/>
+                  <a16:creationId xmlns:a16="http://schemas.microsoft.com/office/drawing/2014/main" id="{E922FA3A-5110-2D3D-13FC-7618E5E09B4B}"/>
                 </a:ext>
               </a:extLst>
             </p:cNvPr>
             <p:cNvCxnSpPr>
               <a:cxnSpLocks/>
-              <a:stCxn id="5" idx="1"/>
-              <a:endCxn id="10" idx="0"/>
+              <a:stCxn id="43" idx="1"/>
+              <a:endCxn id="44" idx="0"/>
             </p:cNvCxnSpPr>
             <p:nvPr/>
           </p:nvCxnSpPr>
           <p:spPr>
-            <a:xfrm rot="10800000" flipV="1">
-              <a:off x="3856008" y="1572884"/>
-              <a:ext cx="808006" cy="877018"/>
+            <a:xfrm>
+              <a:off x="10717604" y="1933705"/>
+              <a:ext cx="0" cy="569270"/>
             </a:xfrm>
-            <a:prstGeom prst="bentConnector2">
+            <a:prstGeom prst="straightConnector1">
               <a:avLst/>
             </a:prstGeom>
             <a:ln>
@@ -3484,12 +3390,559 @@
             </a:fontRef>
           </p:style>
         </p:cxnSp>
+        <p:grpSp>
+          <p:nvGrpSpPr>
+            <p:cNvPr id="39" name="Group 38">
+              <a:extLst>
+                <a:ext uri="{FF2B5EF4-FFF2-40B4-BE49-F238E27FC236}">
+                  <a16:creationId xmlns:a16="http://schemas.microsoft.com/office/drawing/2014/main" id="{D6E0D016-907B-6AE4-0787-51116591B469}"/>
+                </a:ext>
+              </a:extLst>
+            </p:cNvPr>
+            <p:cNvGrpSpPr/>
+            <p:nvPr/>
+          </p:nvGrpSpPr>
+          <p:grpSpPr>
+            <a:xfrm>
+              <a:off x="0" y="387351"/>
+              <a:ext cx="8896707" cy="6083297"/>
+              <a:chOff x="2415396" y="230039"/>
+              <a:chExt cx="8896707" cy="6083297"/>
+            </a:xfrm>
+          </p:grpSpPr>
+          <p:sp>
+            <p:nvSpPr>
+              <p:cNvPr id="5" name="Diamond 4">
+                <a:extLst>
+                  <a:ext uri="{FF2B5EF4-FFF2-40B4-BE49-F238E27FC236}">
+                    <a16:creationId xmlns:a16="http://schemas.microsoft.com/office/drawing/2014/main" id="{6E9F2619-366F-71FD-5108-DC1C69D5499C}"/>
+                  </a:ext>
+                </a:extLst>
+              </p:cNvPr>
+              <p:cNvSpPr/>
+              <p:nvPr/>
+            </p:nvSpPr>
+            <p:spPr>
+              <a:xfrm>
+                <a:off x="4664014" y="230039"/>
+                <a:ext cx="4226944" cy="2685690"/>
+              </a:xfrm>
+              <a:prstGeom prst="diamond">
+                <a:avLst/>
+              </a:prstGeom>
+            </p:spPr>
+            <p:style>
+              <a:lnRef idx="2">
+                <a:schemeClr val="accent1">
+                  <a:shade val="15000"/>
+                </a:schemeClr>
+              </a:lnRef>
+              <a:fillRef idx="1">
+                <a:schemeClr val="accent1"/>
+              </a:fillRef>
+              <a:effectRef idx="0">
+                <a:schemeClr val="accent1"/>
+              </a:effectRef>
+              <a:fontRef idx="minor">
+                <a:schemeClr val="lt1"/>
+              </a:fontRef>
+            </p:style>
+            <p:txBody>
+              <a:bodyPr rtlCol="0" anchor="ctr"/>
+              <a:lstStyle/>
+              <a:p>
+                <a:pPr algn="ctr"/>
+                <a:r>
+                  <a:rPr lang="en-US" dirty="0"/>
+                  <a:t>Create an instance of Queue.</a:t>
+                </a:r>
+              </a:p>
+              <a:p>
+                <a:pPr algn="ctr"/>
+                <a:r>
+                  <a:rPr lang="en-US" dirty="0"/>
+                  <a:t>Passed Redis connection config?</a:t>
+                </a:r>
+              </a:p>
+            </p:txBody>
+          </p:sp>
+          <p:cxnSp>
+            <p:nvCxnSpPr>
+              <p:cNvPr id="9" name="Connector: Elbow 8">
+                <a:extLst>
+                  <a:ext uri="{FF2B5EF4-FFF2-40B4-BE49-F238E27FC236}">
+                    <a16:creationId xmlns:a16="http://schemas.microsoft.com/office/drawing/2014/main" id="{415CEF37-3A70-9CBA-AA06-0DA5D9320042}"/>
+                  </a:ext>
+                </a:extLst>
+              </p:cNvPr>
+              <p:cNvCxnSpPr>
+                <a:cxnSpLocks/>
+                <a:stCxn id="5" idx="1"/>
+                <a:endCxn id="10" idx="0"/>
+              </p:cNvCxnSpPr>
+              <p:nvPr/>
+            </p:nvCxnSpPr>
+            <p:spPr>
+              <a:xfrm rot="10800000" flipV="1">
+                <a:off x="3856008" y="1572884"/>
+                <a:ext cx="808006" cy="877018"/>
+              </a:xfrm>
+              <a:prstGeom prst="bentConnector2">
+                <a:avLst/>
+              </a:prstGeom>
+              <a:ln>
+                <a:tailEnd type="triangle"/>
+              </a:ln>
+            </p:spPr>
+            <p:style>
+              <a:lnRef idx="2">
+                <a:schemeClr val="accent1"/>
+              </a:lnRef>
+              <a:fillRef idx="0">
+                <a:schemeClr val="accent1"/>
+              </a:fillRef>
+              <a:effectRef idx="1">
+                <a:schemeClr val="accent1"/>
+              </a:effectRef>
+              <a:fontRef idx="minor">
+                <a:schemeClr val="tx1"/>
+              </a:fontRef>
+            </p:style>
+          </p:cxnSp>
+          <p:sp>
+            <p:nvSpPr>
+              <p:cNvPr id="10" name="Rectangle 9">
+                <a:extLst>
+                  <a:ext uri="{FF2B5EF4-FFF2-40B4-BE49-F238E27FC236}">
+                    <a16:creationId xmlns:a16="http://schemas.microsoft.com/office/drawing/2014/main" id="{5C943FB9-9066-89F7-9741-C242C060D710}"/>
+                  </a:ext>
+                </a:extLst>
+              </p:cNvPr>
+              <p:cNvSpPr/>
+              <p:nvPr/>
+            </p:nvSpPr>
+            <p:spPr>
+              <a:xfrm>
+                <a:off x="2415396" y="2449902"/>
+                <a:ext cx="2881223" cy="1643572"/>
+              </a:xfrm>
+              <a:prstGeom prst="rect">
+                <a:avLst/>
+              </a:prstGeom>
+            </p:spPr>
+            <p:style>
+              <a:lnRef idx="2">
+                <a:schemeClr val="accent4"/>
+              </a:lnRef>
+              <a:fillRef idx="1">
+                <a:schemeClr val="lt1"/>
+              </a:fillRef>
+              <a:effectRef idx="0">
+                <a:schemeClr val="accent4"/>
+              </a:effectRef>
+              <a:fontRef idx="minor">
+                <a:schemeClr val="dk1"/>
+              </a:fontRef>
+            </p:style>
+            <p:txBody>
+              <a:bodyPr rtlCol="0" anchor="ctr"/>
+              <a:lstStyle/>
+              <a:p>
+                <a:pPr marL="342900" indent="-342900">
+                  <a:buAutoNum type="arabicPeriod"/>
+                </a:pPr>
+                <a:r>
+                  <a:rPr lang="en-US" dirty="0"/>
+                  <a:t>Connect to Redis using the given config</a:t>
+                </a:r>
+              </a:p>
+              <a:p>
+                <a:pPr marL="342900" indent="-342900">
+                  <a:buAutoNum type="arabicPeriod"/>
+                </a:pPr>
+                <a:r>
+                  <a:rPr lang="en-US" dirty="0"/>
+                  <a:t>Show error if there is a problem during connection</a:t>
+                </a:r>
+              </a:p>
+            </p:txBody>
+          </p:sp>
+          <p:sp>
+            <p:nvSpPr>
+              <p:cNvPr id="17" name="TextBox 16">
+                <a:extLst>
+                  <a:ext uri="{FF2B5EF4-FFF2-40B4-BE49-F238E27FC236}">
+                    <a16:creationId xmlns:a16="http://schemas.microsoft.com/office/drawing/2014/main" id="{DFE6AE69-BA28-01CC-793B-0166944E44E9}"/>
+                  </a:ext>
+                </a:extLst>
+              </p:cNvPr>
+              <p:cNvSpPr txBox="1"/>
+              <p:nvPr/>
+            </p:nvSpPr>
+            <p:spPr>
+              <a:xfrm>
+                <a:off x="3904891" y="1185663"/>
+                <a:ext cx="1012166" cy="369332"/>
+              </a:xfrm>
+              <a:prstGeom prst="rect">
+                <a:avLst/>
+              </a:prstGeom>
+              <a:noFill/>
+            </p:spPr>
+            <p:txBody>
+              <a:bodyPr wrap="square" rtlCol="0">
+                <a:spAutoFit/>
+              </a:bodyPr>
+              <a:lstStyle/>
+              <a:p>
+                <a:r>
+                  <a:rPr lang="en-US" dirty="0"/>
+                  <a:t>YES</a:t>
+                </a:r>
+              </a:p>
+            </p:txBody>
+          </p:sp>
+          <p:sp>
+            <p:nvSpPr>
+              <p:cNvPr id="20" name="Rectangle 19">
+                <a:extLst>
+                  <a:ext uri="{FF2B5EF4-FFF2-40B4-BE49-F238E27FC236}">
+                    <a16:creationId xmlns:a16="http://schemas.microsoft.com/office/drawing/2014/main" id="{14CF88F1-53C2-BC88-C9B8-5C407EF218D7}"/>
+                  </a:ext>
+                </a:extLst>
+              </p:cNvPr>
+              <p:cNvSpPr/>
+              <p:nvPr/>
+            </p:nvSpPr>
+            <p:spPr>
+              <a:xfrm>
+                <a:off x="8430880" y="2449902"/>
+                <a:ext cx="2881223" cy="1643572"/>
+              </a:xfrm>
+              <a:prstGeom prst="rect">
+                <a:avLst/>
+              </a:prstGeom>
+            </p:spPr>
+            <p:style>
+              <a:lnRef idx="2">
+                <a:schemeClr val="accent4"/>
+              </a:lnRef>
+              <a:fillRef idx="1">
+                <a:schemeClr val="lt1"/>
+              </a:fillRef>
+              <a:effectRef idx="0">
+                <a:schemeClr val="accent4"/>
+              </a:effectRef>
+              <a:fontRef idx="minor">
+                <a:schemeClr val="dk1"/>
+              </a:fontRef>
+            </p:style>
+            <p:txBody>
+              <a:bodyPr rtlCol="0" anchor="ctr"/>
+              <a:lstStyle/>
+              <a:p>
+                <a:pPr marL="342900" indent="-342900">
+                  <a:buAutoNum type="arabicPeriod"/>
+                </a:pPr>
+                <a:r>
+                  <a:rPr lang="en-US" dirty="0"/>
+                  <a:t>Connect to Redis using default config</a:t>
+                </a:r>
+              </a:p>
+              <a:p>
+                <a:pPr marL="342900" indent="-342900">
+                  <a:buAutoNum type="arabicPeriod"/>
+                </a:pPr>
+                <a:r>
+                  <a:rPr lang="en-US" dirty="0"/>
+                  <a:t>Show error if there is a problem during connection</a:t>
+                </a:r>
+              </a:p>
+            </p:txBody>
+          </p:sp>
+          <p:cxnSp>
+            <p:nvCxnSpPr>
+              <p:cNvPr id="26" name="Connector: Elbow 25">
+                <a:extLst>
+                  <a:ext uri="{FF2B5EF4-FFF2-40B4-BE49-F238E27FC236}">
+                    <a16:creationId xmlns:a16="http://schemas.microsoft.com/office/drawing/2014/main" id="{E3C008D6-663D-6FC1-8609-A7CE1DCCB983}"/>
+                  </a:ext>
+                </a:extLst>
+              </p:cNvPr>
+              <p:cNvCxnSpPr>
+                <a:cxnSpLocks/>
+                <a:stCxn id="5" idx="3"/>
+                <a:endCxn id="20" idx="0"/>
+              </p:cNvCxnSpPr>
+              <p:nvPr/>
+            </p:nvCxnSpPr>
+            <p:spPr>
+              <a:xfrm>
+                <a:off x="8890958" y="1572884"/>
+                <a:ext cx="980534" cy="877018"/>
+              </a:xfrm>
+              <a:prstGeom prst="bentConnector2">
+                <a:avLst/>
+              </a:prstGeom>
+              <a:ln>
+                <a:tailEnd type="triangle"/>
+              </a:ln>
+            </p:spPr>
+            <p:style>
+              <a:lnRef idx="2">
+                <a:schemeClr val="accent1"/>
+              </a:lnRef>
+              <a:fillRef idx="0">
+                <a:schemeClr val="accent1"/>
+              </a:fillRef>
+              <a:effectRef idx="1">
+                <a:schemeClr val="accent1"/>
+              </a:effectRef>
+              <a:fontRef idx="minor">
+                <a:schemeClr val="tx1"/>
+              </a:fontRef>
+            </p:style>
+          </p:cxnSp>
+          <p:sp>
+            <p:nvSpPr>
+              <p:cNvPr id="29" name="TextBox 28">
+                <a:extLst>
+                  <a:ext uri="{FF2B5EF4-FFF2-40B4-BE49-F238E27FC236}">
+                    <a16:creationId xmlns:a16="http://schemas.microsoft.com/office/drawing/2014/main" id="{D6AFB9ED-2A60-900E-CA64-F0F2B1EB9F37}"/>
+                  </a:ext>
+                </a:extLst>
+              </p:cNvPr>
+              <p:cNvSpPr txBox="1"/>
+              <p:nvPr/>
+            </p:nvSpPr>
+            <p:spPr>
+              <a:xfrm>
+                <a:off x="9192881" y="1185663"/>
+                <a:ext cx="678611" cy="369332"/>
+              </a:xfrm>
+              <a:prstGeom prst="rect">
+                <a:avLst/>
+              </a:prstGeom>
+              <a:noFill/>
+            </p:spPr>
+            <p:txBody>
+              <a:bodyPr wrap="square" rtlCol="0">
+                <a:spAutoFit/>
+              </a:bodyPr>
+              <a:lstStyle/>
+              <a:p>
+                <a:r>
+                  <a:rPr lang="en-US" dirty="0"/>
+                  <a:t>NO</a:t>
+                </a:r>
+              </a:p>
+            </p:txBody>
+          </p:sp>
+          <p:sp>
+            <p:nvSpPr>
+              <p:cNvPr id="30" name="Rectangle 29">
+                <a:extLst>
+                  <a:ext uri="{FF2B5EF4-FFF2-40B4-BE49-F238E27FC236}">
+                    <a16:creationId xmlns:a16="http://schemas.microsoft.com/office/drawing/2014/main" id="{8BA9FA12-D54D-45D5-1050-1A9A8520A29C}"/>
+                  </a:ext>
+                </a:extLst>
+              </p:cNvPr>
+              <p:cNvSpPr/>
+              <p:nvPr/>
+            </p:nvSpPr>
+            <p:spPr>
+              <a:xfrm>
+                <a:off x="5336874" y="4669764"/>
+                <a:ext cx="2881223" cy="1643572"/>
+              </a:xfrm>
+              <a:prstGeom prst="rect">
+                <a:avLst/>
+              </a:prstGeom>
+            </p:spPr>
+            <p:style>
+              <a:lnRef idx="1">
+                <a:schemeClr val="accent2"/>
+              </a:lnRef>
+              <a:fillRef idx="2">
+                <a:schemeClr val="accent2"/>
+              </a:fillRef>
+              <a:effectRef idx="1">
+                <a:schemeClr val="accent2"/>
+              </a:effectRef>
+              <a:fontRef idx="minor">
+                <a:schemeClr val="dk1"/>
+              </a:fontRef>
+            </p:style>
+            <p:txBody>
+              <a:bodyPr rtlCol="0" anchor="ctr"/>
+              <a:lstStyle/>
+              <a:p>
+                <a:pPr marL="342900" indent="-342900">
+                  <a:buAutoNum type="arabicPeriod"/>
+                </a:pPr>
+                <a:r>
+                  <a:rPr lang="en-US" dirty="0"/>
+                  <a:t>Create a job</a:t>
+                </a:r>
+              </a:p>
+              <a:p>
+                <a:pPr marL="342900" indent="-342900">
+                  <a:buAutoNum type="arabicPeriod"/>
+                </a:pPr>
+                <a:r>
+                  <a:rPr lang="en-US" dirty="0"/>
+                  <a:t>Enqueue the job</a:t>
+                </a:r>
+              </a:p>
+              <a:p>
+                <a:pPr marL="342900" indent="-342900">
+                  <a:buAutoNum type="arabicPeriod"/>
+                </a:pPr>
+                <a:r>
+                  <a:rPr lang="en-US" dirty="0"/>
+                  <a:t>Process the jobs</a:t>
+                </a:r>
+              </a:p>
+            </p:txBody>
+          </p:sp>
+          <p:cxnSp>
+            <p:nvCxnSpPr>
+              <p:cNvPr id="31" name="Connector: Elbow 30">
+                <a:extLst>
+                  <a:ext uri="{FF2B5EF4-FFF2-40B4-BE49-F238E27FC236}">
+                    <a16:creationId xmlns:a16="http://schemas.microsoft.com/office/drawing/2014/main" id="{50E170A0-A234-3C41-D435-9831873D65C8}"/>
+                  </a:ext>
+                </a:extLst>
+              </p:cNvPr>
+              <p:cNvCxnSpPr>
+                <a:cxnSpLocks/>
+                <a:stCxn id="10" idx="2"/>
+                <a:endCxn id="30" idx="1"/>
+              </p:cNvCxnSpPr>
+              <p:nvPr/>
+            </p:nvCxnSpPr>
+            <p:spPr>
+              <a:xfrm rot="16200000" flipH="1">
+                <a:off x="3897403" y="4052079"/>
+                <a:ext cx="1398076" cy="1480866"/>
+              </a:xfrm>
+              <a:prstGeom prst="bentConnector2">
+                <a:avLst/>
+              </a:prstGeom>
+              <a:ln>
+                <a:tailEnd type="triangle"/>
+              </a:ln>
+            </p:spPr>
+            <p:style>
+              <a:lnRef idx="2">
+                <a:schemeClr val="accent1"/>
+              </a:lnRef>
+              <a:fillRef idx="0">
+                <a:schemeClr val="accent1"/>
+              </a:fillRef>
+              <a:effectRef idx="1">
+                <a:schemeClr val="accent1"/>
+              </a:effectRef>
+              <a:fontRef idx="minor">
+                <a:schemeClr val="tx1"/>
+              </a:fontRef>
+            </p:style>
+          </p:cxnSp>
+          <p:cxnSp>
+            <p:nvCxnSpPr>
+              <p:cNvPr id="34" name="Connector: Elbow 33">
+                <a:extLst>
+                  <a:ext uri="{FF2B5EF4-FFF2-40B4-BE49-F238E27FC236}">
+                    <a16:creationId xmlns:a16="http://schemas.microsoft.com/office/drawing/2014/main" id="{BC634B18-CDB5-0E45-FD53-1E18595D039B}"/>
+                  </a:ext>
+                </a:extLst>
+              </p:cNvPr>
+              <p:cNvCxnSpPr>
+                <a:cxnSpLocks/>
+                <a:stCxn id="20" idx="2"/>
+                <a:endCxn id="30" idx="3"/>
+              </p:cNvCxnSpPr>
+              <p:nvPr/>
+            </p:nvCxnSpPr>
+            <p:spPr>
+              <a:xfrm rot="5400000">
+                <a:off x="8345757" y="3965815"/>
+                <a:ext cx="1398076" cy="1653395"/>
+              </a:xfrm>
+              <a:prstGeom prst="bentConnector2">
+                <a:avLst/>
+              </a:prstGeom>
+              <a:ln>
+                <a:tailEnd type="triangle"/>
+              </a:ln>
+            </p:spPr>
+            <p:style>
+              <a:lnRef idx="2">
+                <a:schemeClr val="accent1"/>
+              </a:lnRef>
+              <a:fillRef idx="0">
+                <a:schemeClr val="accent1"/>
+              </a:fillRef>
+              <a:effectRef idx="1">
+                <a:schemeClr val="accent1"/>
+              </a:effectRef>
+              <a:fontRef idx="minor">
+                <a:schemeClr val="tx1"/>
+              </a:fontRef>
+            </p:style>
+          </p:cxnSp>
+        </p:grpSp>
+        <p:cxnSp>
+          <p:nvCxnSpPr>
+            <p:cNvPr id="42" name="Straight Connector 41">
+              <a:extLst>
+                <a:ext uri="{FF2B5EF4-FFF2-40B4-BE49-F238E27FC236}">
+                  <a16:creationId xmlns:a16="http://schemas.microsoft.com/office/drawing/2014/main" id="{F56C2A88-DCD4-4EC7-826D-A4FB068E9804}"/>
+                </a:ext>
+              </a:extLst>
+            </p:cNvPr>
+            <p:cNvCxnSpPr/>
+            <p:nvPr/>
+          </p:nvCxnSpPr>
+          <p:spPr>
+            <a:xfrm>
+              <a:off x="9086850" y="2095500"/>
+              <a:ext cx="0" cy="3143250"/>
+            </a:xfrm>
+            <a:prstGeom prst="line">
+              <a:avLst/>
+            </a:prstGeom>
+            <a:ln w="76200" cap="flat" cmpd="sng" algn="ctr">
+              <a:solidFill>
+                <a:schemeClr val="tx1"/>
+              </a:solidFill>
+              <a:prstDash val="dash"/>
+              <a:round/>
+              <a:headEnd type="none" w="med" len="med"/>
+              <a:tailEnd type="none" w="med" len="med"/>
+            </a:ln>
+          </p:spPr>
+          <p:style>
+            <a:lnRef idx="0">
+              <a:scrgbClr r="0" g="0" b="0"/>
+            </a:lnRef>
+            <a:fillRef idx="0">
+              <a:scrgbClr r="0" g="0" b="0"/>
+            </a:fillRef>
+            <a:effectRef idx="0">
+              <a:scrgbClr r="0" g="0" b="0"/>
+            </a:effectRef>
+            <a:fontRef idx="minor">
+              <a:schemeClr val="tx1"/>
+            </a:fontRef>
+          </p:style>
+        </p:cxnSp>
         <p:sp>
           <p:nvSpPr>
-            <p:cNvPr id="10" name="Rectangle 9">
+            <p:cNvPr id="43" name="Thought Bubble: Cloud 42">
               <a:extLst>
                 <a:ext uri="{FF2B5EF4-FFF2-40B4-BE49-F238E27FC236}">
-                  <a16:creationId xmlns:a16="http://schemas.microsoft.com/office/drawing/2014/main" id="{5C943FB9-9066-89F7-9741-C242C060D710}"/>
+                  <a16:creationId xmlns:a16="http://schemas.microsoft.com/office/drawing/2014/main" id="{136F7257-1C97-C12F-919B-09EF251ACA4B}"/>
                 </a:ext>
               </a:extLst>
             </p:cNvPr>
@@ -3498,25 +3951,95 @@
           </p:nvSpPr>
           <p:spPr>
             <a:xfrm>
-              <a:off x="2415396" y="2449902"/>
-              <a:ext cx="2881223" cy="1643572"/>
+              <a:off x="9508963" y="94171"/>
+              <a:ext cx="2417282" cy="1841495"/>
+            </a:xfrm>
+            <a:prstGeom prst="cloudCallout">
+              <a:avLst/>
+            </a:prstGeom>
+            <a:noFill/>
+            <a:ln w="38100" cap="flat" cmpd="sng" algn="ctr">
+              <a:solidFill>
+                <a:schemeClr val="accent2"/>
+              </a:solidFill>
+              <a:prstDash val="solid"/>
+              <a:round/>
+              <a:headEnd type="none" w="med" len="med"/>
+              <a:tailEnd type="none" w="med" len="med"/>
+            </a:ln>
+          </p:spPr>
+          <p:style>
+            <a:lnRef idx="0">
+              <a:scrgbClr r="0" g="0" b="0"/>
+            </a:lnRef>
+            <a:fillRef idx="0">
+              <a:scrgbClr r="0" g="0" b="0"/>
+            </a:fillRef>
+            <a:effectRef idx="0">
+              <a:scrgbClr r="0" g="0" b="0"/>
+            </a:effectRef>
+            <a:fontRef idx="minor">
+              <a:schemeClr val="accent2"/>
+            </a:fontRef>
+          </p:style>
+          <p:txBody>
+            <a:bodyPr rtlCol="0" anchor="ctr"/>
+            <a:lstStyle/>
+            <a:p>
+              <a:pPr algn="ctr"/>
+              <a:r>
+                <a:rPr lang="en-US"/>
+                <a:t>How the processJobs work?</a:t>
+              </a:r>
+              <a:endParaRPr lang="en-US" dirty="0"/>
+            </a:p>
+          </p:txBody>
+        </p:sp>
+        <p:sp>
+          <p:nvSpPr>
+            <p:cNvPr id="44" name="Rectangle 43">
+              <a:extLst>
+                <a:ext uri="{FF2B5EF4-FFF2-40B4-BE49-F238E27FC236}">
+                  <a16:creationId xmlns:a16="http://schemas.microsoft.com/office/drawing/2014/main" id="{A46D2285-470B-5499-4110-05F3C1415313}"/>
+                </a:ext>
+              </a:extLst>
+            </p:cNvPr>
+            <p:cNvSpPr/>
+            <p:nvPr/>
+          </p:nvSpPr>
+          <p:spPr>
+            <a:xfrm>
+              <a:off x="9327988" y="2502975"/>
+              <a:ext cx="2779231" cy="4135949"/>
             </a:xfrm>
             <a:prstGeom prst="rect">
               <a:avLst/>
             </a:prstGeom>
+            <a:solidFill>
+              <a:schemeClr val="bg1"/>
+            </a:solidFill>
+            <a:ln w="9525" cap="flat" cmpd="sng" algn="ctr">
+              <a:solidFill>
+                <a:schemeClr val="accent2"/>
+              </a:solidFill>
+              <a:prstDash val="solid"/>
+              <a:round/>
+              <a:headEnd type="none" w="med" len="med"/>
+              <a:tailEnd type="none" w="med" len="med"/>
+            </a:ln>
           </p:spPr>
           <p:style>
-            <a:lnRef idx="2">
-              <a:schemeClr val="accent4"/>
+            <a:lnRef idx="0">
+              <a:scrgbClr r="0" g="0" b="0"/>
             </a:lnRef>
-            <a:fillRef idx="1">
-              <a:schemeClr val="lt1"/>
+            <a:fillRef idx="0">
+              <a:scrgbClr r="0" g="0" b="0"/>
             </a:fillRef>
             <a:effectRef idx="0">
-              <a:schemeClr val="accent4"/>
+              <a:scrgbClr r="0" g="0" b="0"/>
             </a:effectRef>
             <a:fontRef idx="minor">
-              <a:schemeClr val="dk1"/>
+              <a:schemeClr val="accent2"/>
             </a:fontRef>
           </p:style>
           <p:txBody>
@@ -3527,503 +4050,138 @@
                 <a:buAutoNum type="arabicPeriod"/>
               </a:pPr>
               <a:r>
-                <a:rPr lang="en-US" dirty="0"/>
-                <a:t>Connect to Redis using the given config</a:t>
+                <a:rPr lang="en-US" dirty="0">
+                  <a:ln w="0"/>
+                  <a:solidFill>
+                    <a:schemeClr val="tx1"/>
+                  </a:solidFill>
+                  <a:effectLst>
+                    <a:outerShdw blurRad="38100" dist="19050" dir="2700000" algn="tl" rotWithShape="0">
+                      <a:schemeClr val="dk1">
+                        <a:alpha val="40000"/>
+                      </a:schemeClr>
+                    </a:outerShdw>
+                  </a:effectLst>
+                </a:rPr>
+                <a:t>It first checks whether continueJob variable is true or false</a:t>
+              </a:r>
+            </a:p>
+            <a:p>
+              <a:pPr marL="800100" lvl="1" indent="-342900">
+                <a:buFont typeface="+mj-lt"/>
+                <a:buAutoNum type="alphaUcPeriod"/>
+              </a:pPr>
+              <a:r>
+                <a:rPr lang="en-US" dirty="0">
+                  <a:ln w="0"/>
+                  <a:solidFill>
+                    <a:schemeClr val="tx1"/>
+                  </a:solidFill>
+                  <a:effectLst>
+                    <a:outerShdw blurRad="38100" dist="19050" dir="2700000" algn="tl" rotWithShape="0">
+                      <a:schemeClr val="dk1">
+                        <a:alpha val="40000"/>
+                      </a:schemeClr>
+                    </a:outerShdw>
+                  </a:effectLst>
+                </a:rPr>
+                <a:t>If true, then go to 2.</a:t>
+              </a:r>
+            </a:p>
+            <a:p>
+              <a:pPr marL="800100" lvl="1" indent="-342900">
+                <a:buFont typeface="+mj-lt"/>
+                <a:buAutoNum type="alphaUcPeriod"/>
+              </a:pPr>
+              <a:r>
+                <a:rPr lang="en-US" dirty="0">
+                  <a:ln w="0"/>
+                  <a:solidFill>
+                    <a:schemeClr val="tx1"/>
+                  </a:solidFill>
+                  <a:effectLst>
+                    <a:outerShdw blurRad="38100" dist="19050" dir="2700000" algn="tl" rotWithShape="0">
+                      <a:schemeClr val="dk1">
+                        <a:alpha val="40000"/>
+                      </a:schemeClr>
+                    </a:outerShdw>
+                  </a:effectLst>
+                </a:rPr>
+                <a:t>If false, go to the last step.</a:t>
               </a:r>
             </a:p>
             <a:p>
               <a:pPr marL="342900" indent="-342900">
+                <a:buFont typeface="+mj-lt"/>
                 <a:buAutoNum type="arabicPeriod"/>
               </a:pPr>
               <a:r>
-                <a:rPr lang="en-US" dirty="0"/>
-                <a:t>Show error if there is a problem during connection</a:t>
-              </a:r>
-            </a:p>
-          </p:txBody>
-        </p:sp>
-        <p:sp>
-          <p:nvSpPr>
-            <p:cNvPr id="17" name="TextBox 16">
-              <a:extLst>
-                <a:ext uri="{FF2B5EF4-FFF2-40B4-BE49-F238E27FC236}">
-                  <a16:creationId xmlns:a16="http://schemas.microsoft.com/office/drawing/2014/main" id="{DFE6AE69-BA28-01CC-793B-0166944E44E9}"/>
-                </a:ext>
-              </a:extLst>
-            </p:cNvPr>
-            <p:cNvSpPr txBox="1"/>
-            <p:nvPr/>
-          </p:nvSpPr>
-          <p:spPr>
-            <a:xfrm>
-              <a:off x="3904891" y="1185663"/>
-              <a:ext cx="1012166" cy="369332"/>
-            </a:xfrm>
-            <a:prstGeom prst="rect">
-              <a:avLst/>
-            </a:prstGeom>
-            <a:noFill/>
-          </p:spPr>
-          <p:txBody>
-            <a:bodyPr wrap="square" rtlCol="0">
-              <a:spAutoFit/>
-            </a:bodyPr>
-            <a:lstStyle/>
-            <a:p>
-              <a:r>
-                <a:rPr lang="en-US" dirty="0"/>
-                <a:t>YES</a:t>
-              </a:r>
-            </a:p>
-          </p:txBody>
-        </p:sp>
-        <p:sp>
-          <p:nvSpPr>
-            <p:cNvPr id="20" name="Rectangle 19">
-              <a:extLst>
-                <a:ext uri="{FF2B5EF4-FFF2-40B4-BE49-F238E27FC236}">
-                  <a16:creationId xmlns:a16="http://schemas.microsoft.com/office/drawing/2014/main" id="{14CF88F1-53C2-BC88-C9B8-5C407EF218D7}"/>
-                </a:ext>
-              </a:extLst>
-            </p:cNvPr>
-            <p:cNvSpPr/>
-            <p:nvPr/>
-          </p:nvSpPr>
-          <p:spPr>
-            <a:xfrm>
-              <a:off x="8430880" y="2449902"/>
-              <a:ext cx="2881223" cy="1643572"/>
-            </a:xfrm>
-            <a:prstGeom prst="rect">
-              <a:avLst/>
-            </a:prstGeom>
-          </p:spPr>
-          <p:style>
-            <a:lnRef idx="2">
-              <a:schemeClr val="accent4"/>
-            </a:lnRef>
-            <a:fillRef idx="1">
-              <a:schemeClr val="lt1"/>
-            </a:fillRef>
-            <a:effectRef idx="0">
-              <a:schemeClr val="accent4"/>
-            </a:effectRef>
-            <a:fontRef idx="minor">
-              <a:schemeClr val="dk1"/>
-            </a:fontRef>
-          </p:style>
-          <p:txBody>
-            <a:bodyPr rtlCol="0" anchor="ctr"/>
-            <a:lstStyle/>
-            <a:p>
-              <a:pPr marL="342900" indent="-342900">
-                <a:buAutoNum type="arabicPeriod"/>
-              </a:pPr>
-              <a:r>
-                <a:rPr lang="en-US" dirty="0"/>
-                <a:t>Connect to Redis using default config</a:t>
+                <a:rPr lang="en-US" dirty="0">
+                  <a:ln w="0"/>
+                  <a:solidFill>
+                    <a:schemeClr val="tx1"/>
+                  </a:solidFill>
+                  <a:effectLst>
+                    <a:outerShdw blurRad="38100" dist="19050" dir="2700000" algn="tl" rotWithShape="0">
+                      <a:schemeClr val="dk1">
+                        <a:alpha val="40000"/>
+                      </a:schemeClr>
+                    </a:outerShdw>
+                  </a:effectLst>
+                </a:rPr>
+                <a:t>Dequeue the job and Parse the job info</a:t>
               </a:r>
             </a:p>
             <a:p>
               <a:pPr marL="342900" indent="-342900">
+                <a:buFont typeface="+mj-lt"/>
                 <a:buAutoNum type="arabicPeriod"/>
               </a:pPr>
               <a:r>
-                <a:rPr lang="en-US" dirty="0"/>
-                <a:t>Show error if there is a problem during connection</a:t>
-              </a:r>
-            </a:p>
-          </p:txBody>
-        </p:sp>
-        <p:cxnSp>
-          <p:nvCxnSpPr>
-            <p:cNvPr id="26" name="Connector: Elbow 25">
-              <a:extLst>
-                <a:ext uri="{FF2B5EF4-FFF2-40B4-BE49-F238E27FC236}">
-                  <a16:creationId xmlns:a16="http://schemas.microsoft.com/office/drawing/2014/main" id="{E3C008D6-663D-6FC1-8609-A7CE1DCCB983}"/>
-                </a:ext>
-              </a:extLst>
-            </p:cNvPr>
-            <p:cNvCxnSpPr>
-              <a:cxnSpLocks/>
-              <a:stCxn id="5" idx="3"/>
-              <a:endCxn id="20" idx="0"/>
-            </p:cNvCxnSpPr>
-            <p:nvPr/>
-          </p:nvCxnSpPr>
-          <p:spPr>
-            <a:xfrm>
-              <a:off x="8890958" y="1572884"/>
-              <a:ext cx="980534" cy="877018"/>
-            </a:xfrm>
-            <a:prstGeom prst="bentConnector2">
-              <a:avLst/>
-            </a:prstGeom>
-            <a:ln>
-              <a:tailEnd type="triangle"/>
-            </a:ln>
-          </p:spPr>
-          <p:style>
-            <a:lnRef idx="2">
-              <a:schemeClr val="accent1"/>
-            </a:lnRef>
-            <a:fillRef idx="0">
-              <a:schemeClr val="accent1"/>
-            </a:fillRef>
-            <a:effectRef idx="1">
-              <a:schemeClr val="accent1"/>
-            </a:effectRef>
-            <a:fontRef idx="minor">
-              <a:schemeClr val="tx1"/>
-            </a:fontRef>
-          </p:style>
-        </p:cxnSp>
-        <p:sp>
-          <p:nvSpPr>
-            <p:cNvPr id="29" name="TextBox 28">
-              <a:extLst>
-                <a:ext uri="{FF2B5EF4-FFF2-40B4-BE49-F238E27FC236}">
-                  <a16:creationId xmlns:a16="http://schemas.microsoft.com/office/drawing/2014/main" id="{D6AFB9ED-2A60-900E-CA64-F0F2B1EB9F37}"/>
-                </a:ext>
-              </a:extLst>
-            </p:cNvPr>
-            <p:cNvSpPr txBox="1"/>
-            <p:nvPr/>
-          </p:nvSpPr>
-          <p:spPr>
-            <a:xfrm>
-              <a:off x="9192881" y="1185663"/>
-              <a:ext cx="678611" cy="369332"/>
-            </a:xfrm>
-            <a:prstGeom prst="rect">
-              <a:avLst/>
-            </a:prstGeom>
-            <a:noFill/>
-          </p:spPr>
-          <p:txBody>
-            <a:bodyPr wrap="square" rtlCol="0">
-              <a:spAutoFit/>
-            </a:bodyPr>
-            <a:lstStyle/>
-            <a:p>
-              <a:r>
-                <a:rPr lang="en-US" dirty="0"/>
-                <a:t>NO</a:t>
-              </a:r>
-            </a:p>
-          </p:txBody>
-        </p:sp>
-        <p:sp>
-          <p:nvSpPr>
-            <p:cNvPr id="30" name="Rectangle 29">
-              <a:extLst>
-                <a:ext uri="{FF2B5EF4-FFF2-40B4-BE49-F238E27FC236}">
-                  <a16:creationId xmlns:a16="http://schemas.microsoft.com/office/drawing/2014/main" id="{8BA9FA12-D54D-45D5-1050-1A9A8520A29C}"/>
-                </a:ext>
-              </a:extLst>
-            </p:cNvPr>
-            <p:cNvSpPr/>
-            <p:nvPr/>
-          </p:nvSpPr>
-          <p:spPr>
-            <a:xfrm>
-              <a:off x="5336874" y="4669764"/>
-              <a:ext cx="2881223" cy="1643572"/>
-            </a:xfrm>
-            <a:prstGeom prst="rect">
-              <a:avLst/>
-            </a:prstGeom>
-          </p:spPr>
-          <p:style>
-            <a:lnRef idx="1">
-              <a:schemeClr val="accent2"/>
-            </a:lnRef>
-            <a:fillRef idx="2">
-              <a:schemeClr val="accent2"/>
-            </a:fillRef>
-            <a:effectRef idx="1">
-              <a:schemeClr val="accent2"/>
-            </a:effectRef>
-            <a:fontRef idx="minor">
-              <a:schemeClr val="dk1"/>
-            </a:fontRef>
-          </p:style>
-          <p:txBody>
-            <a:bodyPr rtlCol="0" anchor="ctr"/>
-            <a:lstStyle/>
-            <a:p>
-              <a:pPr marL="342900" indent="-342900">
-                <a:buAutoNum type="arabicPeriod"/>
-              </a:pPr>
-              <a:r>
-                <a:rPr lang="en-US" dirty="0"/>
-                <a:t>Create a job</a:t>
+                <a:rPr lang="en-US" dirty="0">
+                  <a:ln w="0"/>
+                  <a:solidFill>
+                    <a:schemeClr val="tx1"/>
+                  </a:solidFill>
+                  <a:effectLst>
+                    <a:outerShdw blurRad="38100" dist="19050" dir="2700000" algn="tl" rotWithShape="0">
+                      <a:schemeClr val="dk1">
+                        <a:alpha val="40000"/>
+                      </a:schemeClr>
+                    </a:outerShdw>
+                  </a:effectLst>
+                </a:rPr>
+                <a:t>Execute the job info with or without delay based on the provided info.</a:t>
               </a:r>
             </a:p>
             <a:p>
               <a:pPr marL="342900" indent="-342900">
+                <a:buFont typeface="+mj-lt"/>
                 <a:buAutoNum type="arabicPeriod"/>
               </a:pPr>
               <a:r>
-                <a:rPr lang="en-US" dirty="0"/>
-                <a:t>Enqueue the job</a:t>
+                <a:rPr lang="en-US" dirty="0">
+                  <a:ln w="0"/>
+                  <a:solidFill>
+                    <a:schemeClr val="tx1"/>
+                  </a:solidFill>
+                  <a:effectLst>
+                    <a:outerShdw blurRad="38100" dist="19050" dir="2700000" algn="tl" rotWithShape="0">
+                      <a:schemeClr val="dk1">
+                        <a:alpha val="40000"/>
+                      </a:schemeClr>
+                    </a:outerShdw>
+                  </a:effectLst>
+                </a:rPr>
+                <a:t>Close. </a:t>
               </a:r>
             </a:p>
             <a:p>
               <a:pPr marL="342900" indent="-342900">
+                <a:buFont typeface="+mj-lt"/>
                 <a:buAutoNum type="arabicPeriod"/>
               </a:pPr>
-              <a:r>
-                <a:rPr lang="en-US" dirty="0"/>
-                <a:t>Process the jobs</a:t>
-              </a:r>
-            </a:p>
-          </p:txBody>
-        </p:sp>
-        <p:cxnSp>
-          <p:nvCxnSpPr>
-            <p:cNvPr id="31" name="Connector: Elbow 30">
-              <a:extLst>
-                <a:ext uri="{FF2B5EF4-FFF2-40B4-BE49-F238E27FC236}">
-                  <a16:creationId xmlns:a16="http://schemas.microsoft.com/office/drawing/2014/main" id="{50E170A0-A234-3C41-D435-9831873D65C8}"/>
-                </a:ext>
-              </a:extLst>
-            </p:cNvPr>
-            <p:cNvCxnSpPr>
-              <a:cxnSpLocks/>
-              <a:stCxn id="10" idx="2"/>
-              <a:endCxn id="30" idx="1"/>
-            </p:cNvCxnSpPr>
-            <p:nvPr/>
-          </p:nvCxnSpPr>
-          <p:spPr>
-            <a:xfrm rot="16200000" flipH="1">
-              <a:off x="3897403" y="4052079"/>
-              <a:ext cx="1398076" cy="1480866"/>
-            </a:xfrm>
-            <a:prstGeom prst="bentConnector2">
-              <a:avLst/>
-            </a:prstGeom>
-            <a:ln>
-              <a:tailEnd type="triangle"/>
-            </a:ln>
-          </p:spPr>
-          <p:style>
-            <a:lnRef idx="2">
-              <a:schemeClr val="accent1"/>
-            </a:lnRef>
-            <a:fillRef idx="0">
-              <a:schemeClr val="accent1"/>
-            </a:fillRef>
-            <a:effectRef idx="1">
-              <a:schemeClr val="accent1"/>
-            </a:effectRef>
-            <a:fontRef idx="minor">
-              <a:schemeClr val="tx1"/>
-            </a:fontRef>
-          </p:style>
-        </p:cxnSp>
-        <p:cxnSp>
-          <p:nvCxnSpPr>
-            <p:cNvPr id="34" name="Connector: Elbow 33">
-              <a:extLst>
-                <a:ext uri="{FF2B5EF4-FFF2-40B4-BE49-F238E27FC236}">
-                  <a16:creationId xmlns:a16="http://schemas.microsoft.com/office/drawing/2014/main" id="{BC634B18-CDB5-0E45-FD53-1E18595D039B}"/>
-                </a:ext>
-              </a:extLst>
-            </p:cNvPr>
-            <p:cNvCxnSpPr>
-              <a:cxnSpLocks/>
-              <a:stCxn id="20" idx="2"/>
-              <a:endCxn id="30" idx="3"/>
-            </p:cNvCxnSpPr>
-            <p:nvPr/>
-          </p:nvCxnSpPr>
-          <p:spPr>
-            <a:xfrm rot="5400000">
-              <a:off x="8345757" y="3965815"/>
-              <a:ext cx="1398076" cy="1653395"/>
-            </a:xfrm>
-            <a:prstGeom prst="bentConnector2">
-              <a:avLst/>
-            </a:prstGeom>
-            <a:ln>
-              <a:tailEnd type="triangle"/>
-            </a:ln>
-          </p:spPr>
-          <p:style>
-            <a:lnRef idx="2">
-              <a:schemeClr val="accent1"/>
-            </a:lnRef>
-            <a:fillRef idx="0">
-              <a:schemeClr val="accent1"/>
-            </a:fillRef>
-            <a:effectRef idx="1">
-              <a:schemeClr val="accent1"/>
-            </a:effectRef>
-            <a:fontRef idx="minor">
-              <a:schemeClr val="tx1"/>
-            </a:fontRef>
-          </p:style>
-        </p:cxnSp>
-      </p:grpSp>
-      <p:cxnSp>
-        <p:nvCxnSpPr>
-          <p:cNvPr id="42" name="Straight Connector 41">
-            <a:extLst>
-              <a:ext uri="{FF2B5EF4-FFF2-40B4-BE49-F238E27FC236}">
-                <a16:creationId xmlns:a16="http://schemas.microsoft.com/office/drawing/2014/main" id="{F56C2A88-DCD4-4EC7-826D-A4FB068E9804}"/>
-              </a:ext>
-            </a:extLst>
-          </p:cNvPr>
-          <p:cNvCxnSpPr/>
-          <p:nvPr/>
-        </p:nvCxnSpPr>
-        <p:spPr>
-          <a:xfrm>
-            <a:off x="9086850" y="2095500"/>
-            <a:ext cx="0" cy="3143250"/>
-          </a:xfrm>
-          <a:prstGeom prst="line">
-            <a:avLst/>
-          </a:prstGeom>
-          <a:ln w="76200" cap="flat" cmpd="sng" algn="ctr">
-            <a:solidFill>
-              <a:schemeClr val="tx1"/>
-            </a:solidFill>
-            <a:prstDash val="dash"/>
-            <a:round/>
-            <a:headEnd type="none" w="med" len="med"/>
-            <a:tailEnd type="none" w="med" len="med"/>
-          </a:ln>
-        </p:spPr>
-        <p:style>
-          <a:lnRef idx="0">
-            <a:scrgbClr r="0" g="0" b="0"/>
-          </a:lnRef>
-          <a:fillRef idx="0">
-            <a:scrgbClr r="0" g="0" b="0"/>
-          </a:fillRef>
-          <a:effectRef idx="0">
-            <a:scrgbClr r="0" g="0" b="0"/>
-          </a:effectRef>
-          <a:fontRef idx="minor">
-            <a:schemeClr val="tx1"/>
-          </a:fontRef>
-        </p:style>
-      </p:cxnSp>
-      <p:sp>
-        <p:nvSpPr>
-          <p:cNvPr id="43" name="Thought Bubble: Cloud 42">
-            <a:extLst>
-              <a:ext uri="{FF2B5EF4-FFF2-40B4-BE49-F238E27FC236}">
-                <a16:creationId xmlns:a16="http://schemas.microsoft.com/office/drawing/2014/main" id="{136F7257-1C97-C12F-919B-09EF251ACA4B}"/>
-              </a:ext>
-            </a:extLst>
-          </p:cNvPr>
-          <p:cNvSpPr/>
-          <p:nvPr/>
-        </p:nvSpPr>
-        <p:spPr>
-          <a:xfrm>
-            <a:off x="9508963" y="94171"/>
-            <a:ext cx="2417282" cy="1841495"/>
-          </a:xfrm>
-          <a:prstGeom prst="cloudCallout">
-            <a:avLst/>
-          </a:prstGeom>
-          <a:noFill/>
-          <a:ln w="38100" cap="flat" cmpd="sng" algn="ctr">
-            <a:solidFill>
-              <a:schemeClr val="accent2"/>
-            </a:solidFill>
-            <a:prstDash val="solid"/>
-            <a:round/>
-            <a:headEnd type="none" w="med" len="med"/>
-            <a:tailEnd type="none" w="med" len="med"/>
-          </a:ln>
-        </p:spPr>
-        <p:style>
-          <a:lnRef idx="0">
-            <a:scrgbClr r="0" g="0" b="0"/>
-          </a:lnRef>
-          <a:fillRef idx="0">
-            <a:scrgbClr r="0" g="0" b="0"/>
-          </a:fillRef>
-          <a:effectRef idx="0">
-            <a:scrgbClr r="0" g="0" b="0"/>
-          </a:effectRef>
-          <a:fontRef idx="minor">
-            <a:schemeClr val="accent2"/>
-          </a:fontRef>
-        </p:style>
-        <p:txBody>
-          <a:bodyPr rtlCol="0" anchor="ctr"/>
-          <a:lstStyle/>
-          <a:p>
-            <a:pPr algn="ctr"/>
-            <a:r>
-              <a:rPr lang="en-US"/>
-              <a:t>How the processJobs work?</a:t>
-            </a:r>
-            <a:endParaRPr lang="en-US" dirty="0"/>
-          </a:p>
-        </p:txBody>
-      </p:sp>
-      <p:sp>
-        <p:nvSpPr>
-          <p:cNvPr id="44" name="Rectangle 43">
-            <a:extLst>
-              <a:ext uri="{FF2B5EF4-FFF2-40B4-BE49-F238E27FC236}">
-                <a16:creationId xmlns:a16="http://schemas.microsoft.com/office/drawing/2014/main" id="{A46D2285-470B-5499-4110-05F3C1415313}"/>
-              </a:ext>
-            </a:extLst>
-          </p:cNvPr>
-          <p:cNvSpPr/>
-          <p:nvPr/>
-        </p:nvSpPr>
-        <p:spPr>
-          <a:xfrm>
-            <a:off x="9327988" y="2502975"/>
-            <a:ext cx="2779231" cy="4135949"/>
-          </a:xfrm>
-          <a:prstGeom prst="rect">
-            <a:avLst/>
-          </a:prstGeom>
-          <a:noFill/>
-          <a:ln w="9525" cap="flat" cmpd="sng" algn="ctr">
-            <a:solidFill>
-              <a:schemeClr val="accent2"/>
-            </a:solidFill>
-            <a:prstDash val="solid"/>
-            <a:round/>
-            <a:headEnd type="none" w="med" len="med"/>
-            <a:tailEnd type="none" w="med" len="med"/>
-          </a:ln>
-        </p:spPr>
-        <p:style>
-          <a:lnRef idx="0">
-            <a:scrgbClr r="0" g="0" b="0"/>
-          </a:lnRef>
-          <a:fillRef idx="0">
-            <a:scrgbClr r="0" g="0" b="0"/>
-          </a:fillRef>
-          <a:effectRef idx="0">
-            <a:scrgbClr r="0" g="0" b="0"/>
-          </a:effectRef>
-          <a:fontRef idx="minor">
-            <a:schemeClr val="accent2"/>
-          </a:fontRef>
-        </p:style>
-        <p:txBody>
-          <a:bodyPr rtlCol="0" anchor="ctr"/>
-          <a:lstStyle/>
-          <a:p>
-            <a:pPr marL="342900" indent="-342900">
-              <a:buAutoNum type="arabicPeriod"/>
-            </a:pPr>
-            <a:r>
-              <a:rPr lang="en-US" dirty="0">
+              <a:endParaRPr lang="en-US" dirty="0">
                 <a:ln w="0"/>
                 <a:solidFill>
                   <a:schemeClr val="tx1"/>
@@ -4035,141 +4193,11 @@
                     </a:schemeClr>
                   </a:outerShdw>
                 </a:effectLst>
-              </a:rPr>
-              <a:t>It first checks whether continueJob variable is true or false</a:t>
-            </a:r>
-          </a:p>
-          <a:p>
-            <a:pPr marL="800100" lvl="1" indent="-342900">
-              <a:buFont typeface="+mj-lt"/>
-              <a:buAutoNum type="alphaUcPeriod"/>
-            </a:pPr>
-            <a:r>
-              <a:rPr lang="en-US" dirty="0">
-                <a:ln w="0"/>
-                <a:solidFill>
-                  <a:schemeClr val="tx1"/>
-                </a:solidFill>
-                <a:effectLst>
-                  <a:outerShdw blurRad="38100" dist="19050" dir="2700000" algn="tl" rotWithShape="0">
-                    <a:schemeClr val="dk1">
-                      <a:alpha val="40000"/>
-                    </a:schemeClr>
-                  </a:outerShdw>
-                </a:effectLst>
-              </a:rPr>
-              <a:t>If true, then go to 2.</a:t>
-            </a:r>
-          </a:p>
-          <a:p>
-            <a:pPr marL="800100" lvl="1" indent="-342900">
-              <a:buFont typeface="+mj-lt"/>
-              <a:buAutoNum type="alphaUcPeriod"/>
-            </a:pPr>
-            <a:r>
-              <a:rPr lang="en-US" dirty="0">
-                <a:ln w="0"/>
-                <a:solidFill>
-                  <a:schemeClr val="tx1"/>
-                </a:solidFill>
-                <a:effectLst>
-                  <a:outerShdw blurRad="38100" dist="19050" dir="2700000" algn="tl" rotWithShape="0">
-                    <a:schemeClr val="dk1">
-                      <a:alpha val="40000"/>
-                    </a:schemeClr>
-                  </a:outerShdw>
-                </a:effectLst>
-              </a:rPr>
-              <a:t>If false, go to the last step.</a:t>
-            </a:r>
-          </a:p>
-          <a:p>
-            <a:pPr marL="342900" indent="-342900">
-              <a:buFont typeface="+mj-lt"/>
-              <a:buAutoNum type="arabicPeriod"/>
-            </a:pPr>
-            <a:r>
-              <a:rPr lang="en-US" dirty="0">
-                <a:ln w="0"/>
-                <a:solidFill>
-                  <a:schemeClr val="tx1"/>
-                </a:solidFill>
-                <a:effectLst>
-                  <a:outerShdw blurRad="38100" dist="19050" dir="2700000" algn="tl" rotWithShape="0">
-                    <a:schemeClr val="dk1">
-                      <a:alpha val="40000"/>
-                    </a:schemeClr>
-                  </a:outerShdw>
-                </a:effectLst>
-              </a:rPr>
-              <a:t>Dequeue the job and Parse the job info</a:t>
-            </a:r>
-          </a:p>
-          <a:p>
-            <a:pPr marL="342900" indent="-342900">
-              <a:buFont typeface="+mj-lt"/>
-              <a:buAutoNum type="arabicPeriod"/>
-            </a:pPr>
-            <a:r>
-              <a:rPr lang="en-US" dirty="0">
-                <a:ln w="0"/>
-                <a:solidFill>
-                  <a:schemeClr val="tx1"/>
-                </a:solidFill>
-                <a:effectLst>
-                  <a:outerShdw blurRad="38100" dist="19050" dir="2700000" algn="tl" rotWithShape="0">
-                    <a:schemeClr val="dk1">
-                      <a:alpha val="40000"/>
-                    </a:schemeClr>
-                  </a:outerShdw>
-                </a:effectLst>
-              </a:rPr>
-              <a:t>Execute the job info with or without delay based on the provided info.</a:t>
-            </a:r>
-          </a:p>
-          <a:p>
-            <a:pPr marL="342900" indent="-342900">
-              <a:buFont typeface="+mj-lt"/>
-              <a:buAutoNum type="arabicPeriod"/>
-            </a:pPr>
-            <a:r>
-              <a:rPr lang="en-US" dirty="0">
-                <a:ln w="0"/>
-                <a:solidFill>
-                  <a:schemeClr val="tx1"/>
-                </a:solidFill>
-                <a:effectLst>
-                  <a:outerShdw blurRad="38100" dist="19050" dir="2700000" algn="tl" rotWithShape="0">
-                    <a:schemeClr val="dk1">
-                      <a:alpha val="40000"/>
-                    </a:schemeClr>
-                  </a:outerShdw>
-                </a:effectLst>
-              </a:rPr>
-              <a:t>Close. </a:t>
-            </a:r>
-          </a:p>
-          <a:p>
-            <a:pPr marL="342900" indent="-342900">
-              <a:buFont typeface="+mj-lt"/>
-              <a:buAutoNum type="arabicPeriod"/>
-            </a:pPr>
-            <a:endParaRPr lang="en-US" dirty="0">
-              <a:ln w="0"/>
-              <a:solidFill>
-                <a:schemeClr val="tx1"/>
-              </a:solidFill>
-              <a:effectLst>
-                <a:outerShdw blurRad="38100" dist="19050" dir="2700000" algn="tl" rotWithShape="0">
-                  <a:schemeClr val="dk1">
-                    <a:alpha val="40000"/>
-                  </a:schemeClr>
-                </a:outerShdw>
-              </a:effectLst>
-            </a:endParaRPr>
-          </a:p>
-        </p:txBody>
-      </p:sp>
+              </a:endParaRPr>
+            </a:p>
+          </p:txBody>
+        </p:sp>
+      </p:grpSp>
     </p:spTree>
     <p:extLst>
       <p:ext uri="{BB962C8B-B14F-4D97-AF65-F5344CB8AC3E}">
@@ -4202,10 +4230,10 @@
       </p:grpSpPr>
       <p:pic>
         <p:nvPicPr>
-          <p:cNvPr id="4" name="Picture 3">
-            <a:extLst>
-              <a:ext uri="{FF2B5EF4-FFF2-40B4-BE49-F238E27FC236}">
-                <a16:creationId xmlns:a16="http://schemas.microsoft.com/office/drawing/2014/main" id="{3E67227E-4040-610E-F62B-3D4A1368C4C3}"/>
+          <p:cNvPr id="2" name="Picture 1">
+            <a:extLst>
+              <a:ext uri="{FF2B5EF4-FFF2-40B4-BE49-F238E27FC236}">
+                <a16:creationId xmlns:a16="http://schemas.microsoft.com/office/drawing/2014/main" id="{40739019-C920-8085-2F91-66F1192C4A02}"/>
               </a:ext>
             </a:extLst>
           </p:cNvPr>
